--- a/Planning/Presenation.pptx
+++ b/Planning/Presenation.pptx
@@ -5,19 +5,21 @@
     <p:sldMasterId id="2147483648" r:id="rId1"/>
   </p:sldMasterIdLst>
   <p:notesMasterIdLst>
-    <p:notesMasterId r:id="rId12"/>
+    <p:notesMasterId r:id="rId14"/>
   </p:notesMasterIdLst>
   <p:sldIdLst>
     <p:sldId id="256" r:id="rId2"/>
-    <p:sldId id="257" r:id="rId3"/>
-    <p:sldId id="258" r:id="rId4"/>
-    <p:sldId id="259" r:id="rId5"/>
-    <p:sldId id="260" r:id="rId6"/>
-    <p:sldId id="261" r:id="rId7"/>
-    <p:sldId id="264" r:id="rId8"/>
-    <p:sldId id="262" r:id="rId9"/>
-    <p:sldId id="263" r:id="rId10"/>
-    <p:sldId id="265" r:id="rId11"/>
+    <p:sldId id="267" r:id="rId3"/>
+    <p:sldId id="257" r:id="rId4"/>
+    <p:sldId id="258" r:id="rId5"/>
+    <p:sldId id="268" r:id="rId6"/>
+    <p:sldId id="259" r:id="rId7"/>
+    <p:sldId id="260" r:id="rId8"/>
+    <p:sldId id="261" r:id="rId9"/>
+    <p:sldId id="264" r:id="rId10"/>
+    <p:sldId id="263" r:id="rId11"/>
+    <p:sldId id="266" r:id="rId12"/>
+    <p:sldId id="265" r:id="rId13"/>
   </p:sldIdLst>
   <p:sldSz cx="12192000" cy="6858000"/>
   <p:notesSz cx="6858000" cy="9144000"/>
@@ -116,6 +118,11 @@
       </a:defRPr>
     </a:lvl9pPr>
   </p:defaultTextStyle>
+  <p:extLst>
+    <p:ext uri="{EFAFB233-063F-42B5-8137-9DF3F51BA10A}">
+      <p15:sldGuideLst xmlns:p15="http://schemas.microsoft.com/office/powerpoint/2012/main"/>
+    </p:ext>
+  </p:extLst>
 </p:presentation>
 </file>
 
@@ -201,7 +208,7 @@
           <a:p>
             <a:fld id="{4F15A909-FFA8-6E41-AE55-4F3BD2F7A940}" type="datetimeFigureOut">
               <a:rPr lang="en-US" smtClean="0"/>
-              <a:t>6/13/18</a:t>
+              <a:t>6/14/18</a:t>
             </a:fld>
             <a:endParaRPr lang="en-US"/>
           </a:p>
@@ -542,7 +549,7 @@
           <a:p>
             <a:fld id="{072F323F-A6EF-D24A-9525-4E7B8D826DB4}" type="slidenum">
               <a:rPr lang="en-US" smtClean="0"/>
-              <a:t>2</a:t>
+              <a:t>3</a:t>
             </a:fld>
             <a:endParaRPr lang="en-US"/>
           </a:p>
@@ -637,7 +644,7 @@
           <a:p>
             <a:fld id="{072F323F-A6EF-D24A-9525-4E7B8D826DB4}" type="slidenum">
               <a:rPr lang="en-US" smtClean="0"/>
-              <a:t>3</a:t>
+              <a:t>4</a:t>
             </a:fld>
             <a:endParaRPr lang="en-US"/>
           </a:p>
@@ -721,7 +728,7 @@
           <a:p>
             <a:fld id="{072F323F-A6EF-D24A-9525-4E7B8D826DB4}" type="slidenum">
               <a:rPr lang="en-US" smtClean="0"/>
-              <a:t>5</a:t>
+              <a:t>7</a:t>
             </a:fld>
             <a:endParaRPr lang="en-US"/>
           </a:p>
@@ -869,7 +876,7 @@
           <a:p>
             <a:fld id="{072F323F-A6EF-D24A-9525-4E7B8D826DB4}" type="slidenum">
               <a:rPr lang="en-US" smtClean="0"/>
-              <a:t>6</a:t>
+              <a:t>8</a:t>
             </a:fld>
             <a:endParaRPr lang="en-US"/>
           </a:p>
@@ -1224,7 +1231,7 @@
             <a:fld id="{5923F103-BC34-4FE4-A40E-EDDEECFDA5D0}" type="datetimeFigureOut">
               <a:rPr lang="en-US" dirty="0"/>
               <a:pPr/>
-              <a:t>6/13/18</a:t>
+              <a:t>6/14/18</a:t>
             </a:fld>
             <a:endParaRPr lang="en-US" dirty="0"/>
           </a:p>
@@ -2308,7 +2315,7 @@
           <a:p>
             <a:fld id="{923A1CC3-2375-41D4-9E03-427CAF2A4C1A}" type="datetimeFigureOut">
               <a:rPr lang="en-US" dirty="0"/>
-              <a:t>6/13/18</a:t>
+              <a:t>6/14/18</a:t>
             </a:fld>
             <a:endParaRPr lang="en-US" dirty="0"/>
           </a:p>
@@ -3284,7 +3291,7 @@
           <a:p>
             <a:fld id="{AFF16868-8199-4C2C-A5B1-63AEE139F88E}" type="datetimeFigureOut">
               <a:rPr lang="en-US" dirty="0"/>
-              <a:t>6/13/18</a:t>
+              <a:t>6/14/18</a:t>
             </a:fld>
             <a:endParaRPr lang="en-US" dirty="0"/>
           </a:p>
@@ -4414,7 +4421,7 @@
           <a:p>
             <a:fld id="{AAD9FF7F-6988-44CC-821B-644E70CD2F73}" type="datetimeFigureOut">
               <a:rPr lang="en-US" dirty="0"/>
-              <a:t>6/13/18</a:t>
+              <a:t>6/14/18</a:t>
             </a:fld>
             <a:endParaRPr lang="en-US" dirty="0"/>
           </a:p>
@@ -5443,7 +5450,7 @@
           <a:p>
             <a:fld id="{5C12C299-16B2-4475-990D-751901EACC14}" type="datetimeFigureOut">
               <a:rPr lang="en-US" dirty="0"/>
-              <a:t>6/13/18</a:t>
+              <a:t>6/14/18</a:t>
             </a:fld>
             <a:endParaRPr lang="en-US" dirty="0"/>
           </a:p>
@@ -6099,7 +6106,7 @@
           <a:p>
             <a:fld id="{9FE86839-B9D8-4651-8783-F325ECE74E65}" type="datetimeFigureOut">
               <a:rPr lang="en-US" dirty="0"/>
-              <a:t>6/13/18</a:t>
+              <a:t>6/14/18</a:t>
             </a:fld>
             <a:endParaRPr lang="en-US" dirty="0"/>
           </a:p>
@@ -6956,7 +6963,7 @@
           <a:p>
             <a:fld id="{FD484F64-32F6-45C5-931F-ADC1662401D0}" type="datetimeFigureOut">
               <a:rPr lang="en-US" dirty="0"/>
-              <a:t>6/13/18</a:t>
+              <a:t>6/14/18</a:t>
             </a:fld>
             <a:endParaRPr lang="en-US" dirty="0"/>
           </a:p>
@@ -7142,7 +7149,7 @@
           <a:p>
             <a:fld id="{53086D93-FCAC-47E0-A2EE-787E62CA814C}" type="datetimeFigureOut">
               <a:rPr lang="en-US" dirty="0"/>
-              <a:t>6/13/18</a:t>
+              <a:t>6/14/18</a:t>
             </a:fld>
             <a:endParaRPr lang="en-US" dirty="0"/>
           </a:p>
@@ -8110,7 +8117,7 @@
           <a:p>
             <a:fld id="{CDA879A6-0FD0-4734-A311-86BFCA472E6E}" type="datetimeFigureOut">
               <a:rPr lang="en-US" dirty="0"/>
-              <a:t>6/13/18</a:t>
+              <a:t>6/14/18</a:t>
             </a:fld>
             <a:endParaRPr lang="en-US" dirty="0"/>
           </a:p>
@@ -8317,7 +8324,7 @@
           <a:p>
             <a:fld id="{19C9CA7B-DFD4-44B5-8C60-D14B8CD1FB59}" type="datetimeFigureOut">
               <a:rPr lang="en-US" dirty="0"/>
-              <a:t>6/13/18</a:t>
+              <a:t>6/14/18</a:t>
             </a:fld>
             <a:endParaRPr lang="en-US" dirty="0"/>
           </a:p>
@@ -9347,7 +9354,7 @@
           <a:p>
             <a:fld id="{F34E6425-0181-43F2-84FC-787E803FD2F8}" type="datetimeFigureOut">
               <a:rPr lang="en-US" dirty="0"/>
-              <a:t>6/13/18</a:t>
+              <a:t>6/14/18</a:t>
             </a:fld>
             <a:endParaRPr lang="en-US" dirty="0"/>
           </a:p>
@@ -9615,7 +9622,7 @@
           <a:p>
             <a:fld id="{3BDB8791-F1B0-41E7-B7FD-A781E65C4266}" type="datetimeFigureOut">
               <a:rPr lang="en-US" dirty="0"/>
-              <a:t>6/13/18</a:t>
+              <a:t>6/14/18</a:t>
             </a:fld>
             <a:endParaRPr lang="en-US" dirty="0"/>
           </a:p>
@@ -10021,7 +10028,7 @@
           <a:p>
             <a:fld id="{5FDD63B2-E120-4ED8-B27B-C685F510A5FE}" type="datetimeFigureOut">
               <a:rPr lang="en-US" dirty="0"/>
-              <a:t>6/13/18</a:t>
+              <a:t>6/14/18</a:t>
             </a:fld>
             <a:endParaRPr lang="en-US" dirty="0"/>
           </a:p>
@@ -10144,7 +10151,7 @@
           <a:p>
             <a:fld id="{7AA18ACC-A947-437B-A130-35BD54FDF1E9}" type="datetimeFigureOut">
               <a:rPr lang="en-US" dirty="0"/>
-              <a:t>6/13/18</a:t>
+              <a:t>6/14/18</a:t>
             </a:fld>
             <a:endParaRPr lang="en-US" dirty="0"/>
           </a:p>
@@ -10235,7 +10242,7 @@
           <a:p>
             <a:fld id="{7C8D7E02-BCB8-4D50-A234-369438C08659}" type="datetimeFigureOut">
               <a:rPr lang="en-US" dirty="0"/>
-              <a:t>6/13/18</a:t>
+              <a:t>6/14/18</a:t>
             </a:fld>
             <a:endParaRPr lang="en-US" dirty="0"/>
           </a:p>
@@ -11312,7 +11319,7 @@
           <a:p>
             <a:fld id="{76E86A4C-8E40-4F87-A4F0-01A0687C5742}" type="datetimeFigureOut">
               <a:rPr lang="en-US" dirty="0"/>
-              <a:t>6/13/18</a:t>
+              <a:t>6/14/18</a:t>
             </a:fld>
             <a:endParaRPr lang="en-US" dirty="0"/>
           </a:p>
@@ -12416,7 +12423,7 @@
           <a:p>
             <a:fld id="{35E72C73-2D91-4E12-BA25-F0AA0C03599B}" type="datetimeFigureOut">
               <a:rPr lang="en-US" dirty="0"/>
-              <a:t>6/13/18</a:t>
+              <a:t>6/14/18</a:t>
             </a:fld>
             <a:endParaRPr lang="en-US" dirty="0"/>
           </a:p>
@@ -13409,7 +13416,7 @@
           <a:p>
             <a:fld id="{2BE451C3-0FF4-47C4-B829-773ADF60F88C}" type="datetimeFigureOut">
               <a:rPr lang="en-US" dirty="0"/>
-              <a:t>6/13/18</a:t>
+              <a:t>6/14/18</a:t>
             </a:fld>
             <a:endParaRPr lang="en-US" dirty="0"/>
           </a:p>
@@ -13988,11 +13995,11 @@
           <a:p>
             <a:r>
               <a:rPr lang="en-US" dirty="0" err="1"/>
-              <a:t>Barbreck</a:t>
+              <a:t>CodeClan</a:t>
             </a:r>
             <a:r>
               <a:rPr lang="en-US" dirty="0"/>
-              <a:t> Studio App	</a:t>
+              <a:t> Gym App	</a:t>
             </a:r>
           </a:p>
         </p:txBody>
@@ -14044,6 +14051,217 @@
 </file>
 
 <file path=ppt/slides/slide10.xml><?xml version="1.0" encoding="utf-8"?>
+<p:sld xmlns:a="http://schemas.openxmlformats.org/drawingml/2006/main" xmlns:r="http://schemas.openxmlformats.org/officeDocument/2006/relationships" xmlns:p="http://schemas.openxmlformats.org/presentationml/2006/main">
+  <p:cSld>
+    <p:spTree>
+      <p:nvGrpSpPr>
+        <p:cNvPr id="1" name=""/>
+        <p:cNvGrpSpPr/>
+        <p:nvPr/>
+      </p:nvGrpSpPr>
+      <p:grpSpPr>
+        <a:xfrm>
+          <a:off x="0" y="0"/>
+          <a:ext cx="0" cy="0"/>
+          <a:chOff x="0" y="0"/>
+          <a:chExt cx="0" cy="0"/>
+        </a:xfrm>
+      </p:grpSpPr>
+      <p:sp>
+        <p:nvSpPr>
+          <p:cNvPr id="2" name="Title 1">
+            <a:extLst>
+              <a:ext uri="{FF2B5EF4-FFF2-40B4-BE49-F238E27FC236}">
+                <a16:creationId xmlns:a16="http://schemas.microsoft.com/office/drawing/2014/main" id="{849596F3-6C49-3745-B3FE-326EDC016E37}"/>
+              </a:ext>
+            </a:extLst>
+          </p:cNvPr>
+          <p:cNvSpPr>
+            <a:spLocks noGrp="1"/>
+          </p:cNvSpPr>
+          <p:nvPr>
+            <p:ph type="title"/>
+          </p:nvPr>
+        </p:nvSpPr>
+        <p:spPr/>
+        <p:txBody>
+          <a:bodyPr/>
+          <a:lstStyle/>
+          <a:p>
+            <a:r>
+              <a:rPr lang="en-US" dirty="0"/>
+              <a:t>What I would change</a:t>
+            </a:r>
+          </a:p>
+        </p:txBody>
+      </p:sp>
+      <p:sp>
+        <p:nvSpPr>
+          <p:cNvPr id="3" name="Content Placeholder 2">
+            <a:extLst>
+              <a:ext uri="{FF2B5EF4-FFF2-40B4-BE49-F238E27FC236}">
+                <a16:creationId xmlns:a16="http://schemas.microsoft.com/office/drawing/2014/main" id="{9BDA27BB-C288-2743-AA31-13EBE2F2A449}"/>
+              </a:ext>
+            </a:extLst>
+          </p:cNvPr>
+          <p:cNvSpPr>
+            <a:spLocks noGrp="1"/>
+          </p:cNvSpPr>
+          <p:nvPr>
+            <p:ph idx="1"/>
+          </p:nvPr>
+        </p:nvSpPr>
+        <p:spPr/>
+        <p:txBody>
+          <a:bodyPr/>
+          <a:lstStyle/>
+          <a:p>
+            <a:r>
+              <a:rPr lang="en-US" dirty="0"/>
+              <a:t>I would make the front end more responsive</a:t>
+            </a:r>
+          </a:p>
+          <a:p>
+            <a:r>
+              <a:rPr lang="en-US" dirty="0"/>
+              <a:t>Plan for mobile first</a:t>
+            </a:r>
+          </a:p>
+          <a:p>
+            <a:r>
+              <a:rPr lang="en-US" dirty="0"/>
+              <a:t>Easier navigation</a:t>
+            </a:r>
+          </a:p>
+          <a:p>
+            <a:r>
+              <a:rPr lang="en-US" dirty="0"/>
+              <a:t>Use space on website better</a:t>
+            </a:r>
+          </a:p>
+        </p:txBody>
+      </p:sp>
+    </p:spTree>
+    <p:extLst>
+      <p:ext uri="{BB962C8B-B14F-4D97-AF65-F5344CB8AC3E}">
+        <p14:creationId xmlns:p14="http://schemas.microsoft.com/office/powerpoint/2010/main" val="3789578796"/>
+      </p:ext>
+    </p:extLst>
+  </p:cSld>
+  <p:clrMapOvr>
+    <a:masterClrMapping/>
+  </p:clrMapOvr>
+</p:sld>
+</file>
+
+<file path=ppt/slides/slide11.xml><?xml version="1.0" encoding="utf-8"?>
+<p:sld xmlns:a="http://schemas.openxmlformats.org/drawingml/2006/main" xmlns:r="http://schemas.openxmlformats.org/officeDocument/2006/relationships" xmlns:p="http://schemas.openxmlformats.org/presentationml/2006/main">
+  <p:cSld>
+    <p:spTree>
+      <p:nvGrpSpPr>
+        <p:cNvPr id="1" name=""/>
+        <p:cNvGrpSpPr/>
+        <p:nvPr/>
+      </p:nvGrpSpPr>
+      <p:grpSpPr>
+        <a:xfrm>
+          <a:off x="0" y="0"/>
+          <a:ext cx="0" cy="0"/>
+          <a:chOff x="0" y="0"/>
+          <a:chExt cx="0" cy="0"/>
+        </a:xfrm>
+      </p:grpSpPr>
+      <p:sp>
+        <p:nvSpPr>
+          <p:cNvPr id="2" name="Title 1">
+            <a:extLst>
+              <a:ext uri="{FF2B5EF4-FFF2-40B4-BE49-F238E27FC236}">
+                <a16:creationId xmlns:a16="http://schemas.microsoft.com/office/drawing/2014/main" id="{F3271550-505B-3F43-8B62-1F5089BD1B81}"/>
+              </a:ext>
+            </a:extLst>
+          </p:cNvPr>
+          <p:cNvSpPr>
+            <a:spLocks noGrp="1"/>
+          </p:cNvSpPr>
+          <p:nvPr>
+            <p:ph type="title"/>
+          </p:nvPr>
+        </p:nvSpPr>
+        <p:spPr/>
+        <p:txBody>
+          <a:bodyPr/>
+          <a:lstStyle/>
+          <a:p>
+            <a:r>
+              <a:rPr lang="en-US" dirty="0"/>
+              <a:t>What I Learned?	</a:t>
+            </a:r>
+          </a:p>
+        </p:txBody>
+      </p:sp>
+      <p:sp>
+        <p:nvSpPr>
+          <p:cNvPr id="3" name="Content Placeholder 2">
+            <a:extLst>
+              <a:ext uri="{FF2B5EF4-FFF2-40B4-BE49-F238E27FC236}">
+                <a16:creationId xmlns:a16="http://schemas.microsoft.com/office/drawing/2014/main" id="{1F2212E8-BDE5-F14F-89E7-DDBB9BB1E526}"/>
+              </a:ext>
+            </a:extLst>
+          </p:cNvPr>
+          <p:cNvSpPr>
+            <a:spLocks noGrp="1"/>
+          </p:cNvSpPr>
+          <p:nvPr>
+            <p:ph idx="1"/>
+          </p:nvPr>
+        </p:nvSpPr>
+        <p:spPr/>
+        <p:txBody>
+          <a:bodyPr/>
+          <a:lstStyle/>
+          <a:p>
+            <a:r>
+              <a:rPr lang="en-US" dirty="0"/>
+              <a:t>To read the entire error message</a:t>
+            </a:r>
+          </a:p>
+          <a:p>
+            <a:r>
+              <a:rPr lang="en-US" dirty="0"/>
+              <a:t>That I know more that I thought I did</a:t>
+            </a:r>
+          </a:p>
+          <a:p>
+            <a:r>
+              <a:rPr lang="en-US" dirty="0"/>
+              <a:t>If something not working and you know it should, restart everything! </a:t>
+            </a:r>
+          </a:p>
+          <a:p>
+            <a:r>
+              <a:rPr lang="en-US" dirty="0"/>
+              <a:t>Take time to plan – referred to this a lot when making the views </a:t>
+            </a:r>
+          </a:p>
+          <a:p>
+            <a:endParaRPr lang="en-US" dirty="0"/>
+          </a:p>
+        </p:txBody>
+      </p:sp>
+    </p:spTree>
+    <p:extLst>
+      <p:ext uri="{BB962C8B-B14F-4D97-AF65-F5344CB8AC3E}">
+        <p14:creationId xmlns:p14="http://schemas.microsoft.com/office/powerpoint/2010/main" val="2304882403"/>
+      </p:ext>
+    </p:extLst>
+  </p:cSld>
+  <p:clrMapOvr>
+    <a:masterClrMapping/>
+  </p:clrMapOvr>
+</p:sld>
+</file>
+
+<file path=ppt/slides/slide12.xml><?xml version="1.0" encoding="utf-8"?>
 <p:sld xmlns:a="http://schemas.openxmlformats.org/drawingml/2006/main" xmlns:r="http://schemas.openxmlformats.org/officeDocument/2006/relationships" xmlns:p="http://schemas.openxmlformats.org/presentationml/2006/main">
   <p:cSld>
     <p:spTree>
@@ -14109,6 +14327,122 @@
 </file>
 
 <file path=ppt/slides/slide2.xml><?xml version="1.0" encoding="utf-8"?>
+<p:sld xmlns:a="http://schemas.openxmlformats.org/drawingml/2006/main" xmlns:r="http://schemas.openxmlformats.org/officeDocument/2006/relationships" xmlns:p="http://schemas.openxmlformats.org/presentationml/2006/main">
+  <p:cSld>
+    <p:spTree>
+      <p:nvGrpSpPr>
+        <p:cNvPr id="1" name=""/>
+        <p:cNvGrpSpPr/>
+        <p:nvPr/>
+      </p:nvGrpSpPr>
+      <p:grpSpPr>
+        <a:xfrm>
+          <a:off x="0" y="0"/>
+          <a:ext cx="0" cy="0"/>
+          <a:chOff x="0" y="0"/>
+          <a:chExt cx="0" cy="0"/>
+        </a:xfrm>
+      </p:grpSpPr>
+      <p:sp>
+        <p:nvSpPr>
+          <p:cNvPr id="2" name="Title 1">
+            <a:extLst>
+              <a:ext uri="{FF2B5EF4-FFF2-40B4-BE49-F238E27FC236}">
+                <a16:creationId xmlns:a16="http://schemas.microsoft.com/office/drawing/2014/main" id="{AA79B124-79BE-8F48-B25C-2B648D957A79}"/>
+              </a:ext>
+            </a:extLst>
+          </p:cNvPr>
+          <p:cNvSpPr>
+            <a:spLocks noGrp="1"/>
+          </p:cNvSpPr>
+          <p:nvPr>
+            <p:ph type="title"/>
+          </p:nvPr>
+        </p:nvSpPr>
+        <p:spPr/>
+        <p:txBody>
+          <a:bodyPr/>
+          <a:lstStyle/>
+          <a:p>
+            <a:r>
+              <a:rPr lang="en-US" dirty="0"/>
+              <a:t>Aims </a:t>
+            </a:r>
+          </a:p>
+        </p:txBody>
+      </p:sp>
+      <p:sp>
+        <p:nvSpPr>
+          <p:cNvPr id="3" name="Content Placeholder 2">
+            <a:extLst>
+              <a:ext uri="{FF2B5EF4-FFF2-40B4-BE49-F238E27FC236}">
+                <a16:creationId xmlns:a16="http://schemas.microsoft.com/office/drawing/2014/main" id="{FC2CCE19-5E0B-C84B-9F4E-4F02A91B81EC}"/>
+              </a:ext>
+            </a:extLst>
+          </p:cNvPr>
+          <p:cNvSpPr>
+            <a:spLocks noGrp="1"/>
+          </p:cNvSpPr>
+          <p:nvPr>
+            <p:ph idx="1"/>
+          </p:nvPr>
+        </p:nvSpPr>
+        <p:spPr/>
+        <p:txBody>
+          <a:bodyPr/>
+          <a:lstStyle/>
+          <a:p>
+            <a:r>
+              <a:rPr lang="en-GB" dirty="0"/>
+              <a:t>A local gym has asked you to build a piece of software to help them to manage memberships, and register members for classes</a:t>
+            </a:r>
+          </a:p>
+          <a:p>
+            <a:r>
+              <a:rPr lang="en-GB" dirty="0"/>
+              <a:t>Manage Membership</a:t>
+            </a:r>
+          </a:p>
+          <a:p>
+            <a:r>
+              <a:rPr lang="en-GB" dirty="0"/>
+              <a:t>Manage Classes</a:t>
+            </a:r>
+          </a:p>
+          <a:p>
+            <a:r>
+              <a:rPr lang="en-GB" dirty="0"/>
+              <a:t>Register Users for Classes</a:t>
+            </a:r>
+          </a:p>
+          <a:p>
+            <a:r>
+              <a:rPr lang="en-GB" dirty="0"/>
+              <a:t>View all customers assigned to a class</a:t>
+            </a:r>
+          </a:p>
+          <a:p>
+            <a:endParaRPr lang="en-GB" dirty="0"/>
+          </a:p>
+          <a:p>
+            <a:endParaRPr lang="en-US" dirty="0"/>
+          </a:p>
+        </p:txBody>
+      </p:sp>
+    </p:spTree>
+    <p:extLst>
+      <p:ext uri="{BB962C8B-B14F-4D97-AF65-F5344CB8AC3E}">
+        <p14:creationId xmlns:p14="http://schemas.microsoft.com/office/powerpoint/2010/main" val="2858984911"/>
+      </p:ext>
+    </p:extLst>
+  </p:cSld>
+  <p:clrMapOvr>
+    <a:masterClrMapping/>
+  </p:clrMapOvr>
+</p:sld>
+</file>
+
+<file path=ppt/slides/slide3.xml><?xml version="1.0" encoding="utf-8"?>
 <p:sld xmlns:a="http://schemas.openxmlformats.org/drawingml/2006/main" xmlns:r="http://schemas.openxmlformats.org/officeDocument/2006/relationships" xmlns:p="http://schemas.openxmlformats.org/presentationml/2006/main">
   <p:cSld>
     <p:spTree>
@@ -14225,7 +14559,7 @@
 </p:sld>
 </file>
 
-<file path=ppt/slides/slide3.xml><?xml version="1.0" encoding="utf-8"?>
+<file path=ppt/slides/slide4.xml><?xml version="1.0" encoding="utf-8"?>
 <p:sld xmlns:a="http://schemas.openxmlformats.org/drawingml/2006/main" xmlns:r="http://schemas.openxmlformats.org/officeDocument/2006/relationships" xmlns:p="http://schemas.openxmlformats.org/presentationml/2006/main">
   <p:cSld>
     <p:spTree>
@@ -14342,7 +14676,67 @@
 </p:sld>
 </file>
 
-<file path=ppt/slides/slide4.xml><?xml version="1.0" encoding="utf-8"?>
+<file path=ppt/slides/slide5.xml><?xml version="1.0" encoding="utf-8"?>
+<p:sld xmlns:a="http://schemas.openxmlformats.org/drawingml/2006/main" xmlns:r="http://schemas.openxmlformats.org/officeDocument/2006/relationships" xmlns:p="http://schemas.openxmlformats.org/presentationml/2006/main">
+  <p:cSld>
+    <p:spTree>
+      <p:nvGrpSpPr>
+        <p:cNvPr id="1" name=""/>
+        <p:cNvGrpSpPr/>
+        <p:nvPr/>
+      </p:nvGrpSpPr>
+      <p:grpSpPr>
+        <a:xfrm>
+          <a:off x="0" y="0"/>
+          <a:ext cx="0" cy="0"/>
+          <a:chOff x="0" y="0"/>
+          <a:chExt cx="0" cy="0"/>
+        </a:xfrm>
+      </p:grpSpPr>
+      <p:pic>
+        <p:nvPicPr>
+          <p:cNvPr id="3" name="Picture 2">
+            <a:extLst>
+              <a:ext uri="{FF2B5EF4-FFF2-40B4-BE49-F238E27FC236}">
+                <a16:creationId xmlns:a16="http://schemas.microsoft.com/office/drawing/2014/main" id="{93843CAC-C3C1-0546-8032-34E41BBB5FB8}"/>
+              </a:ext>
+            </a:extLst>
+          </p:cNvPr>
+          <p:cNvPicPr>
+            <a:picLocks noChangeAspect="1"/>
+          </p:cNvPicPr>
+          <p:nvPr/>
+        </p:nvPicPr>
+        <p:blipFill>
+          <a:blip r:embed="rId2"/>
+          <a:stretch>
+            <a:fillRect/>
+          </a:stretch>
+        </p:blipFill>
+        <p:spPr>
+          <a:xfrm>
+            <a:off x="966951" y="294290"/>
+            <a:ext cx="10468303" cy="6064469"/>
+          </a:xfrm>
+          <a:prstGeom prst="rect">
+            <a:avLst/>
+          </a:prstGeom>
+        </p:spPr>
+      </p:pic>
+    </p:spTree>
+    <p:extLst>
+      <p:ext uri="{BB962C8B-B14F-4D97-AF65-F5344CB8AC3E}">
+        <p14:creationId xmlns:p14="http://schemas.microsoft.com/office/powerpoint/2010/main" val="3609600807"/>
+      </p:ext>
+    </p:extLst>
+  </p:cSld>
+  <p:clrMapOvr>
+    <a:masterClrMapping/>
+  </p:clrMapOvr>
+</p:sld>
+</file>
+
+<file path=ppt/slides/slide6.xml><?xml version="1.0" encoding="utf-8"?>
 <p:sld xmlns:a="http://schemas.openxmlformats.org/drawingml/2006/main" xmlns:r="http://schemas.openxmlformats.org/officeDocument/2006/relationships" xmlns:p="http://schemas.openxmlformats.org/presentationml/2006/main">
   <p:cSld>
     <p:spTree>
@@ -14459,7 +14853,7 @@
 </p:sld>
 </file>
 
-<file path=ppt/slides/slide5.xml><?xml version="1.0" encoding="utf-8"?>
+<file path=ppt/slides/slide7.xml><?xml version="1.0" encoding="utf-8"?>
 <p:sld xmlns:a="http://schemas.openxmlformats.org/drawingml/2006/main" xmlns:r="http://schemas.openxmlformats.org/officeDocument/2006/relationships" xmlns:p="http://schemas.openxmlformats.org/presentationml/2006/main">
   <p:cSld>
     <p:spTree>
@@ -15178,7 +15572,7 @@
 </p:sld>
 </file>
 
-<file path=ppt/slides/slide6.xml><?xml version="1.0" encoding="utf-8"?>
+<file path=ppt/slides/slide8.xml><?xml version="1.0" encoding="utf-8"?>
 <p:sld xmlns:a="http://schemas.openxmlformats.org/drawingml/2006/main" xmlns:r="http://schemas.openxmlformats.org/officeDocument/2006/relationships" xmlns:p="http://schemas.openxmlformats.org/presentationml/2006/main">
   <p:cSld>
     <p:spTree>
@@ -15889,7 +16283,7 @@
 </p:sld>
 </file>
 
-<file path=ppt/slides/slide7.xml><?xml version="1.0" encoding="utf-8"?>
+<file path=ppt/slides/slide9.xml><?xml version="1.0" encoding="utf-8"?>
 <p:sld xmlns:a="http://schemas.openxmlformats.org/drawingml/2006/main" xmlns:r="http://schemas.openxmlformats.org/officeDocument/2006/relationships" xmlns:p="http://schemas.openxmlformats.org/presentationml/2006/main">
   <p:cSld>
     <p:spTree>
@@ -15945,193 +16339,6 @@
     <p:extLst>
       <p:ext uri="{BB962C8B-B14F-4D97-AF65-F5344CB8AC3E}">
         <p14:creationId xmlns:p14="http://schemas.microsoft.com/office/powerpoint/2010/main" val="2853198779"/>
-      </p:ext>
-    </p:extLst>
-  </p:cSld>
-  <p:clrMapOvr>
-    <a:masterClrMapping/>
-  </p:clrMapOvr>
-</p:sld>
-</file>
-
-<file path=ppt/slides/slide8.xml><?xml version="1.0" encoding="utf-8"?>
-<p:sld xmlns:a="http://schemas.openxmlformats.org/drawingml/2006/main" xmlns:r="http://schemas.openxmlformats.org/officeDocument/2006/relationships" xmlns:p="http://schemas.openxmlformats.org/presentationml/2006/main">
-  <p:cSld>
-    <p:spTree>
-      <p:nvGrpSpPr>
-        <p:cNvPr id="1" name=""/>
-        <p:cNvGrpSpPr/>
-        <p:nvPr/>
-      </p:nvGrpSpPr>
-      <p:grpSpPr>
-        <a:xfrm>
-          <a:off x="0" y="0"/>
-          <a:ext cx="0" cy="0"/>
-          <a:chOff x="0" y="0"/>
-          <a:chExt cx="0" cy="0"/>
-        </a:xfrm>
-      </p:grpSpPr>
-      <p:sp>
-        <p:nvSpPr>
-          <p:cNvPr id="2" name="Title 1">
-            <a:extLst>
-              <a:ext uri="{FF2B5EF4-FFF2-40B4-BE49-F238E27FC236}">
-                <a16:creationId xmlns:a16="http://schemas.microsoft.com/office/drawing/2014/main" id="{EE5A5C97-6437-594A-B076-FC89071795B5}"/>
-              </a:ext>
-            </a:extLst>
-          </p:cNvPr>
-          <p:cNvSpPr>
-            <a:spLocks noGrp="1"/>
-          </p:cNvSpPr>
-          <p:nvPr>
-            <p:ph type="title"/>
-          </p:nvPr>
-        </p:nvSpPr>
-        <p:spPr/>
-        <p:txBody>
-          <a:bodyPr/>
-          <a:lstStyle/>
-          <a:p>
-            <a:r>
-              <a:rPr lang="en-US" dirty="0"/>
-              <a:t>What I Enjoyed	</a:t>
-            </a:r>
-          </a:p>
-        </p:txBody>
-      </p:sp>
-      <p:sp>
-        <p:nvSpPr>
-          <p:cNvPr id="3" name="Content Placeholder 2">
-            <a:extLst>
-              <a:ext uri="{FF2B5EF4-FFF2-40B4-BE49-F238E27FC236}">
-                <a16:creationId xmlns:a16="http://schemas.microsoft.com/office/drawing/2014/main" id="{6CC3E7BA-9413-A14B-BC1F-FF83F888ACB0}"/>
-              </a:ext>
-            </a:extLst>
-          </p:cNvPr>
-          <p:cNvSpPr>
-            <a:spLocks noGrp="1"/>
-          </p:cNvSpPr>
-          <p:nvPr>
-            <p:ph idx="1"/>
-          </p:nvPr>
-        </p:nvSpPr>
-        <p:spPr/>
-        <p:txBody>
-          <a:bodyPr/>
-          <a:lstStyle/>
-          <a:p>
-            <a:endParaRPr lang="en-US" dirty="0"/>
-          </a:p>
-        </p:txBody>
-      </p:sp>
-    </p:spTree>
-    <p:extLst>
-      <p:ext uri="{BB962C8B-B14F-4D97-AF65-F5344CB8AC3E}">
-        <p14:creationId xmlns:p14="http://schemas.microsoft.com/office/powerpoint/2010/main" val="2175420731"/>
-      </p:ext>
-    </p:extLst>
-  </p:cSld>
-  <p:clrMapOvr>
-    <a:masterClrMapping/>
-  </p:clrMapOvr>
-</p:sld>
-</file>
-
-<file path=ppt/slides/slide9.xml><?xml version="1.0" encoding="utf-8"?>
-<p:sld xmlns:a="http://schemas.openxmlformats.org/drawingml/2006/main" xmlns:r="http://schemas.openxmlformats.org/officeDocument/2006/relationships" xmlns:p="http://schemas.openxmlformats.org/presentationml/2006/main">
-  <p:cSld>
-    <p:spTree>
-      <p:nvGrpSpPr>
-        <p:cNvPr id="1" name=""/>
-        <p:cNvGrpSpPr/>
-        <p:nvPr/>
-      </p:nvGrpSpPr>
-      <p:grpSpPr>
-        <a:xfrm>
-          <a:off x="0" y="0"/>
-          <a:ext cx="0" cy="0"/>
-          <a:chOff x="0" y="0"/>
-          <a:chExt cx="0" cy="0"/>
-        </a:xfrm>
-      </p:grpSpPr>
-      <p:sp>
-        <p:nvSpPr>
-          <p:cNvPr id="2" name="Title 1">
-            <a:extLst>
-              <a:ext uri="{FF2B5EF4-FFF2-40B4-BE49-F238E27FC236}">
-                <a16:creationId xmlns:a16="http://schemas.microsoft.com/office/drawing/2014/main" id="{849596F3-6C49-3745-B3FE-326EDC016E37}"/>
-              </a:ext>
-            </a:extLst>
-          </p:cNvPr>
-          <p:cNvSpPr>
-            <a:spLocks noGrp="1"/>
-          </p:cNvSpPr>
-          <p:nvPr>
-            <p:ph type="title"/>
-          </p:nvPr>
-        </p:nvSpPr>
-        <p:spPr/>
-        <p:txBody>
-          <a:bodyPr/>
-          <a:lstStyle/>
-          <a:p>
-            <a:r>
-              <a:rPr lang="en-US" dirty="0"/>
-              <a:t>What I would change</a:t>
-            </a:r>
-          </a:p>
-        </p:txBody>
-      </p:sp>
-      <p:sp>
-        <p:nvSpPr>
-          <p:cNvPr id="3" name="Content Placeholder 2">
-            <a:extLst>
-              <a:ext uri="{FF2B5EF4-FFF2-40B4-BE49-F238E27FC236}">
-                <a16:creationId xmlns:a16="http://schemas.microsoft.com/office/drawing/2014/main" id="{9BDA27BB-C288-2743-AA31-13EBE2F2A449}"/>
-              </a:ext>
-            </a:extLst>
-          </p:cNvPr>
-          <p:cNvSpPr>
-            <a:spLocks noGrp="1"/>
-          </p:cNvSpPr>
-          <p:nvPr>
-            <p:ph idx="1"/>
-          </p:nvPr>
-        </p:nvSpPr>
-        <p:spPr/>
-        <p:txBody>
-          <a:bodyPr/>
-          <a:lstStyle/>
-          <a:p>
-            <a:r>
-              <a:rPr lang="en-US" dirty="0"/>
-              <a:t>I would make the front end more responsive</a:t>
-            </a:r>
-          </a:p>
-          <a:p>
-            <a:r>
-              <a:rPr lang="en-US" dirty="0"/>
-              <a:t>Plan for mobile first</a:t>
-            </a:r>
-          </a:p>
-          <a:p>
-            <a:r>
-              <a:rPr lang="en-US" dirty="0"/>
-              <a:t>Easier navigation</a:t>
-            </a:r>
-          </a:p>
-          <a:p>
-            <a:r>
-              <a:rPr lang="en-US" dirty="0"/>
-              <a:t>Use space on website better</a:t>
-            </a:r>
-          </a:p>
-        </p:txBody>
-      </p:sp>
-    </p:spTree>
-    <p:extLst>
-      <p:ext uri="{BB962C8B-B14F-4D97-AF65-F5344CB8AC3E}">
-        <p14:creationId xmlns:p14="http://schemas.microsoft.com/office/powerpoint/2010/main" val="3789578796"/>
       </p:ext>
     </p:extLst>
   </p:cSld>

--- a/Planning/Presenation.pptx
+++ b/Planning/Presenation.pptx
@@ -5,21 +5,19 @@
     <p:sldMasterId id="2147483648" r:id="rId1"/>
   </p:sldMasterIdLst>
   <p:notesMasterIdLst>
-    <p:notesMasterId r:id="rId14"/>
+    <p:notesMasterId r:id="rId12"/>
   </p:notesMasterIdLst>
   <p:sldIdLst>
     <p:sldId id="256" r:id="rId2"/>
-    <p:sldId id="267" r:id="rId3"/>
-    <p:sldId id="257" r:id="rId4"/>
-    <p:sldId id="258" r:id="rId5"/>
-    <p:sldId id="268" r:id="rId6"/>
-    <p:sldId id="259" r:id="rId7"/>
-    <p:sldId id="260" r:id="rId8"/>
-    <p:sldId id="261" r:id="rId9"/>
-    <p:sldId id="264" r:id="rId10"/>
-    <p:sldId id="263" r:id="rId11"/>
-    <p:sldId id="266" r:id="rId12"/>
-    <p:sldId id="265" r:id="rId13"/>
+    <p:sldId id="257" r:id="rId3"/>
+    <p:sldId id="258" r:id="rId4"/>
+    <p:sldId id="259" r:id="rId5"/>
+    <p:sldId id="260" r:id="rId6"/>
+    <p:sldId id="261" r:id="rId7"/>
+    <p:sldId id="264" r:id="rId8"/>
+    <p:sldId id="262" r:id="rId9"/>
+    <p:sldId id="263" r:id="rId10"/>
+    <p:sldId id="265" r:id="rId11"/>
   </p:sldIdLst>
   <p:sldSz cx="12192000" cy="6858000"/>
   <p:notesSz cx="6858000" cy="9144000"/>
@@ -118,11 +116,6 @@
       </a:defRPr>
     </a:lvl9pPr>
   </p:defaultTextStyle>
-  <p:extLst>
-    <p:ext uri="{EFAFB233-063F-42B5-8137-9DF3F51BA10A}">
-      <p15:sldGuideLst xmlns:p15="http://schemas.microsoft.com/office/powerpoint/2012/main"/>
-    </p:ext>
-  </p:extLst>
 </p:presentation>
 </file>
 
@@ -208,7 +201,7 @@
           <a:p>
             <a:fld id="{4F15A909-FFA8-6E41-AE55-4F3BD2F7A940}" type="datetimeFigureOut">
               <a:rPr lang="en-US" smtClean="0"/>
-              <a:t>6/14/18</a:t>
+              <a:t>6/13/18</a:t>
             </a:fld>
             <a:endParaRPr lang="en-US"/>
           </a:p>
@@ -549,7 +542,7 @@
           <a:p>
             <a:fld id="{072F323F-A6EF-D24A-9525-4E7B8D826DB4}" type="slidenum">
               <a:rPr lang="en-US" smtClean="0"/>
-              <a:t>3</a:t>
+              <a:t>2</a:t>
             </a:fld>
             <a:endParaRPr lang="en-US"/>
           </a:p>
@@ -644,7 +637,7 @@
           <a:p>
             <a:fld id="{072F323F-A6EF-D24A-9525-4E7B8D826DB4}" type="slidenum">
               <a:rPr lang="en-US" smtClean="0"/>
-              <a:t>4</a:t>
+              <a:t>3</a:t>
             </a:fld>
             <a:endParaRPr lang="en-US"/>
           </a:p>
@@ -728,7 +721,7 @@
           <a:p>
             <a:fld id="{072F323F-A6EF-D24A-9525-4E7B8D826DB4}" type="slidenum">
               <a:rPr lang="en-US" smtClean="0"/>
-              <a:t>7</a:t>
+              <a:t>5</a:t>
             </a:fld>
             <a:endParaRPr lang="en-US"/>
           </a:p>
@@ -876,7 +869,7 @@
           <a:p>
             <a:fld id="{072F323F-A6EF-D24A-9525-4E7B8D826DB4}" type="slidenum">
               <a:rPr lang="en-US" smtClean="0"/>
-              <a:t>8</a:t>
+              <a:t>6</a:t>
             </a:fld>
             <a:endParaRPr lang="en-US"/>
           </a:p>
@@ -1231,7 +1224,7 @@
             <a:fld id="{5923F103-BC34-4FE4-A40E-EDDEECFDA5D0}" type="datetimeFigureOut">
               <a:rPr lang="en-US" dirty="0"/>
               <a:pPr/>
-              <a:t>6/14/18</a:t>
+              <a:t>6/13/18</a:t>
             </a:fld>
             <a:endParaRPr lang="en-US" dirty="0"/>
           </a:p>
@@ -2315,7 +2308,7 @@
           <a:p>
             <a:fld id="{923A1CC3-2375-41D4-9E03-427CAF2A4C1A}" type="datetimeFigureOut">
               <a:rPr lang="en-US" dirty="0"/>
-              <a:t>6/14/18</a:t>
+              <a:t>6/13/18</a:t>
             </a:fld>
             <a:endParaRPr lang="en-US" dirty="0"/>
           </a:p>
@@ -3291,7 +3284,7 @@
           <a:p>
             <a:fld id="{AFF16868-8199-4C2C-A5B1-63AEE139F88E}" type="datetimeFigureOut">
               <a:rPr lang="en-US" dirty="0"/>
-              <a:t>6/14/18</a:t>
+              <a:t>6/13/18</a:t>
             </a:fld>
             <a:endParaRPr lang="en-US" dirty="0"/>
           </a:p>
@@ -4421,7 +4414,7 @@
           <a:p>
             <a:fld id="{AAD9FF7F-6988-44CC-821B-644E70CD2F73}" type="datetimeFigureOut">
               <a:rPr lang="en-US" dirty="0"/>
-              <a:t>6/14/18</a:t>
+              <a:t>6/13/18</a:t>
             </a:fld>
             <a:endParaRPr lang="en-US" dirty="0"/>
           </a:p>
@@ -5450,7 +5443,7 @@
           <a:p>
             <a:fld id="{5C12C299-16B2-4475-990D-751901EACC14}" type="datetimeFigureOut">
               <a:rPr lang="en-US" dirty="0"/>
-              <a:t>6/14/18</a:t>
+              <a:t>6/13/18</a:t>
             </a:fld>
             <a:endParaRPr lang="en-US" dirty="0"/>
           </a:p>
@@ -6106,7 +6099,7 @@
           <a:p>
             <a:fld id="{9FE86839-B9D8-4651-8783-F325ECE74E65}" type="datetimeFigureOut">
               <a:rPr lang="en-US" dirty="0"/>
-              <a:t>6/14/18</a:t>
+              <a:t>6/13/18</a:t>
             </a:fld>
             <a:endParaRPr lang="en-US" dirty="0"/>
           </a:p>
@@ -6963,7 +6956,7 @@
           <a:p>
             <a:fld id="{FD484F64-32F6-45C5-931F-ADC1662401D0}" type="datetimeFigureOut">
               <a:rPr lang="en-US" dirty="0"/>
-              <a:t>6/14/18</a:t>
+              <a:t>6/13/18</a:t>
             </a:fld>
             <a:endParaRPr lang="en-US" dirty="0"/>
           </a:p>
@@ -7149,7 +7142,7 @@
           <a:p>
             <a:fld id="{53086D93-FCAC-47E0-A2EE-787E62CA814C}" type="datetimeFigureOut">
               <a:rPr lang="en-US" dirty="0"/>
-              <a:t>6/14/18</a:t>
+              <a:t>6/13/18</a:t>
             </a:fld>
             <a:endParaRPr lang="en-US" dirty="0"/>
           </a:p>
@@ -8117,7 +8110,7 @@
           <a:p>
             <a:fld id="{CDA879A6-0FD0-4734-A311-86BFCA472E6E}" type="datetimeFigureOut">
               <a:rPr lang="en-US" dirty="0"/>
-              <a:t>6/14/18</a:t>
+              <a:t>6/13/18</a:t>
             </a:fld>
             <a:endParaRPr lang="en-US" dirty="0"/>
           </a:p>
@@ -8324,7 +8317,7 @@
           <a:p>
             <a:fld id="{19C9CA7B-DFD4-44B5-8C60-D14B8CD1FB59}" type="datetimeFigureOut">
               <a:rPr lang="en-US" dirty="0"/>
-              <a:t>6/14/18</a:t>
+              <a:t>6/13/18</a:t>
             </a:fld>
             <a:endParaRPr lang="en-US" dirty="0"/>
           </a:p>
@@ -9354,7 +9347,7 @@
           <a:p>
             <a:fld id="{F34E6425-0181-43F2-84FC-787E803FD2F8}" type="datetimeFigureOut">
               <a:rPr lang="en-US" dirty="0"/>
-              <a:t>6/14/18</a:t>
+              <a:t>6/13/18</a:t>
             </a:fld>
             <a:endParaRPr lang="en-US" dirty="0"/>
           </a:p>
@@ -9622,7 +9615,7 @@
           <a:p>
             <a:fld id="{3BDB8791-F1B0-41E7-B7FD-A781E65C4266}" type="datetimeFigureOut">
               <a:rPr lang="en-US" dirty="0"/>
-              <a:t>6/14/18</a:t>
+              <a:t>6/13/18</a:t>
             </a:fld>
             <a:endParaRPr lang="en-US" dirty="0"/>
           </a:p>
@@ -10028,7 +10021,7 @@
           <a:p>
             <a:fld id="{5FDD63B2-E120-4ED8-B27B-C685F510A5FE}" type="datetimeFigureOut">
               <a:rPr lang="en-US" dirty="0"/>
-              <a:t>6/14/18</a:t>
+              <a:t>6/13/18</a:t>
             </a:fld>
             <a:endParaRPr lang="en-US" dirty="0"/>
           </a:p>
@@ -10151,7 +10144,7 @@
           <a:p>
             <a:fld id="{7AA18ACC-A947-437B-A130-35BD54FDF1E9}" type="datetimeFigureOut">
               <a:rPr lang="en-US" dirty="0"/>
-              <a:t>6/14/18</a:t>
+              <a:t>6/13/18</a:t>
             </a:fld>
             <a:endParaRPr lang="en-US" dirty="0"/>
           </a:p>
@@ -10242,7 +10235,7 @@
           <a:p>
             <a:fld id="{7C8D7E02-BCB8-4D50-A234-369438C08659}" type="datetimeFigureOut">
               <a:rPr lang="en-US" dirty="0"/>
-              <a:t>6/14/18</a:t>
+              <a:t>6/13/18</a:t>
             </a:fld>
             <a:endParaRPr lang="en-US" dirty="0"/>
           </a:p>
@@ -11319,7 +11312,7 @@
           <a:p>
             <a:fld id="{76E86A4C-8E40-4F87-A4F0-01A0687C5742}" type="datetimeFigureOut">
               <a:rPr lang="en-US" dirty="0"/>
-              <a:t>6/14/18</a:t>
+              <a:t>6/13/18</a:t>
             </a:fld>
             <a:endParaRPr lang="en-US" dirty="0"/>
           </a:p>
@@ -12423,7 +12416,7 @@
           <a:p>
             <a:fld id="{35E72C73-2D91-4E12-BA25-F0AA0C03599B}" type="datetimeFigureOut">
               <a:rPr lang="en-US" dirty="0"/>
-              <a:t>6/14/18</a:t>
+              <a:t>6/13/18</a:t>
             </a:fld>
             <a:endParaRPr lang="en-US" dirty="0"/>
           </a:p>
@@ -13416,7 +13409,7 @@
           <a:p>
             <a:fld id="{2BE451C3-0FF4-47C4-B829-773ADF60F88C}" type="datetimeFigureOut">
               <a:rPr lang="en-US" dirty="0"/>
-              <a:t>6/14/18</a:t>
+              <a:t>6/13/18</a:t>
             </a:fld>
             <a:endParaRPr lang="en-US" dirty="0"/>
           </a:p>
@@ -13995,11 +13988,11 @@
           <a:p>
             <a:r>
               <a:rPr lang="en-US" dirty="0" err="1"/>
-              <a:t>CodeClan</a:t>
+              <a:t>Barbreck</a:t>
             </a:r>
             <a:r>
               <a:rPr lang="en-US" dirty="0"/>
-              <a:t> Gym App	</a:t>
+              <a:t> Studio App	</a:t>
             </a:r>
           </a:p>
         </p:txBody>
@@ -14051,217 +14044,6 @@
 </file>
 
 <file path=ppt/slides/slide10.xml><?xml version="1.0" encoding="utf-8"?>
-<p:sld xmlns:a="http://schemas.openxmlformats.org/drawingml/2006/main" xmlns:r="http://schemas.openxmlformats.org/officeDocument/2006/relationships" xmlns:p="http://schemas.openxmlformats.org/presentationml/2006/main">
-  <p:cSld>
-    <p:spTree>
-      <p:nvGrpSpPr>
-        <p:cNvPr id="1" name=""/>
-        <p:cNvGrpSpPr/>
-        <p:nvPr/>
-      </p:nvGrpSpPr>
-      <p:grpSpPr>
-        <a:xfrm>
-          <a:off x="0" y="0"/>
-          <a:ext cx="0" cy="0"/>
-          <a:chOff x="0" y="0"/>
-          <a:chExt cx="0" cy="0"/>
-        </a:xfrm>
-      </p:grpSpPr>
-      <p:sp>
-        <p:nvSpPr>
-          <p:cNvPr id="2" name="Title 1">
-            <a:extLst>
-              <a:ext uri="{FF2B5EF4-FFF2-40B4-BE49-F238E27FC236}">
-                <a16:creationId xmlns:a16="http://schemas.microsoft.com/office/drawing/2014/main" id="{849596F3-6C49-3745-B3FE-326EDC016E37}"/>
-              </a:ext>
-            </a:extLst>
-          </p:cNvPr>
-          <p:cNvSpPr>
-            <a:spLocks noGrp="1"/>
-          </p:cNvSpPr>
-          <p:nvPr>
-            <p:ph type="title"/>
-          </p:nvPr>
-        </p:nvSpPr>
-        <p:spPr/>
-        <p:txBody>
-          <a:bodyPr/>
-          <a:lstStyle/>
-          <a:p>
-            <a:r>
-              <a:rPr lang="en-US" dirty="0"/>
-              <a:t>What I would change</a:t>
-            </a:r>
-          </a:p>
-        </p:txBody>
-      </p:sp>
-      <p:sp>
-        <p:nvSpPr>
-          <p:cNvPr id="3" name="Content Placeholder 2">
-            <a:extLst>
-              <a:ext uri="{FF2B5EF4-FFF2-40B4-BE49-F238E27FC236}">
-                <a16:creationId xmlns:a16="http://schemas.microsoft.com/office/drawing/2014/main" id="{9BDA27BB-C288-2743-AA31-13EBE2F2A449}"/>
-              </a:ext>
-            </a:extLst>
-          </p:cNvPr>
-          <p:cNvSpPr>
-            <a:spLocks noGrp="1"/>
-          </p:cNvSpPr>
-          <p:nvPr>
-            <p:ph idx="1"/>
-          </p:nvPr>
-        </p:nvSpPr>
-        <p:spPr/>
-        <p:txBody>
-          <a:bodyPr/>
-          <a:lstStyle/>
-          <a:p>
-            <a:r>
-              <a:rPr lang="en-US" dirty="0"/>
-              <a:t>I would make the front end more responsive</a:t>
-            </a:r>
-          </a:p>
-          <a:p>
-            <a:r>
-              <a:rPr lang="en-US" dirty="0"/>
-              <a:t>Plan for mobile first</a:t>
-            </a:r>
-          </a:p>
-          <a:p>
-            <a:r>
-              <a:rPr lang="en-US" dirty="0"/>
-              <a:t>Easier navigation</a:t>
-            </a:r>
-          </a:p>
-          <a:p>
-            <a:r>
-              <a:rPr lang="en-US" dirty="0"/>
-              <a:t>Use space on website better</a:t>
-            </a:r>
-          </a:p>
-        </p:txBody>
-      </p:sp>
-    </p:spTree>
-    <p:extLst>
-      <p:ext uri="{BB962C8B-B14F-4D97-AF65-F5344CB8AC3E}">
-        <p14:creationId xmlns:p14="http://schemas.microsoft.com/office/powerpoint/2010/main" val="3789578796"/>
-      </p:ext>
-    </p:extLst>
-  </p:cSld>
-  <p:clrMapOvr>
-    <a:masterClrMapping/>
-  </p:clrMapOvr>
-</p:sld>
-</file>
-
-<file path=ppt/slides/slide11.xml><?xml version="1.0" encoding="utf-8"?>
-<p:sld xmlns:a="http://schemas.openxmlformats.org/drawingml/2006/main" xmlns:r="http://schemas.openxmlformats.org/officeDocument/2006/relationships" xmlns:p="http://schemas.openxmlformats.org/presentationml/2006/main">
-  <p:cSld>
-    <p:spTree>
-      <p:nvGrpSpPr>
-        <p:cNvPr id="1" name=""/>
-        <p:cNvGrpSpPr/>
-        <p:nvPr/>
-      </p:nvGrpSpPr>
-      <p:grpSpPr>
-        <a:xfrm>
-          <a:off x="0" y="0"/>
-          <a:ext cx="0" cy="0"/>
-          <a:chOff x="0" y="0"/>
-          <a:chExt cx="0" cy="0"/>
-        </a:xfrm>
-      </p:grpSpPr>
-      <p:sp>
-        <p:nvSpPr>
-          <p:cNvPr id="2" name="Title 1">
-            <a:extLst>
-              <a:ext uri="{FF2B5EF4-FFF2-40B4-BE49-F238E27FC236}">
-                <a16:creationId xmlns:a16="http://schemas.microsoft.com/office/drawing/2014/main" id="{F3271550-505B-3F43-8B62-1F5089BD1B81}"/>
-              </a:ext>
-            </a:extLst>
-          </p:cNvPr>
-          <p:cNvSpPr>
-            <a:spLocks noGrp="1"/>
-          </p:cNvSpPr>
-          <p:nvPr>
-            <p:ph type="title"/>
-          </p:nvPr>
-        </p:nvSpPr>
-        <p:spPr/>
-        <p:txBody>
-          <a:bodyPr/>
-          <a:lstStyle/>
-          <a:p>
-            <a:r>
-              <a:rPr lang="en-US" dirty="0"/>
-              <a:t>What I Learned?	</a:t>
-            </a:r>
-          </a:p>
-        </p:txBody>
-      </p:sp>
-      <p:sp>
-        <p:nvSpPr>
-          <p:cNvPr id="3" name="Content Placeholder 2">
-            <a:extLst>
-              <a:ext uri="{FF2B5EF4-FFF2-40B4-BE49-F238E27FC236}">
-                <a16:creationId xmlns:a16="http://schemas.microsoft.com/office/drawing/2014/main" id="{1F2212E8-BDE5-F14F-89E7-DDBB9BB1E526}"/>
-              </a:ext>
-            </a:extLst>
-          </p:cNvPr>
-          <p:cNvSpPr>
-            <a:spLocks noGrp="1"/>
-          </p:cNvSpPr>
-          <p:nvPr>
-            <p:ph idx="1"/>
-          </p:nvPr>
-        </p:nvSpPr>
-        <p:spPr/>
-        <p:txBody>
-          <a:bodyPr/>
-          <a:lstStyle/>
-          <a:p>
-            <a:r>
-              <a:rPr lang="en-US" dirty="0"/>
-              <a:t>To read the entire error message</a:t>
-            </a:r>
-          </a:p>
-          <a:p>
-            <a:r>
-              <a:rPr lang="en-US" dirty="0"/>
-              <a:t>That I know more that I thought I did</a:t>
-            </a:r>
-          </a:p>
-          <a:p>
-            <a:r>
-              <a:rPr lang="en-US" dirty="0"/>
-              <a:t>If something not working and you know it should, restart everything! </a:t>
-            </a:r>
-          </a:p>
-          <a:p>
-            <a:r>
-              <a:rPr lang="en-US" dirty="0"/>
-              <a:t>Take time to plan – referred to this a lot when making the views </a:t>
-            </a:r>
-          </a:p>
-          <a:p>
-            <a:endParaRPr lang="en-US" dirty="0"/>
-          </a:p>
-        </p:txBody>
-      </p:sp>
-    </p:spTree>
-    <p:extLst>
-      <p:ext uri="{BB962C8B-B14F-4D97-AF65-F5344CB8AC3E}">
-        <p14:creationId xmlns:p14="http://schemas.microsoft.com/office/powerpoint/2010/main" val="2304882403"/>
-      </p:ext>
-    </p:extLst>
-  </p:cSld>
-  <p:clrMapOvr>
-    <a:masterClrMapping/>
-  </p:clrMapOvr>
-</p:sld>
-</file>
-
-<file path=ppt/slides/slide12.xml><?xml version="1.0" encoding="utf-8"?>
 <p:sld xmlns:a="http://schemas.openxmlformats.org/drawingml/2006/main" xmlns:r="http://schemas.openxmlformats.org/officeDocument/2006/relationships" xmlns:p="http://schemas.openxmlformats.org/presentationml/2006/main">
   <p:cSld>
     <p:spTree>
@@ -14327,122 +14109,6 @@
 </file>
 
 <file path=ppt/slides/slide2.xml><?xml version="1.0" encoding="utf-8"?>
-<p:sld xmlns:a="http://schemas.openxmlformats.org/drawingml/2006/main" xmlns:r="http://schemas.openxmlformats.org/officeDocument/2006/relationships" xmlns:p="http://schemas.openxmlformats.org/presentationml/2006/main">
-  <p:cSld>
-    <p:spTree>
-      <p:nvGrpSpPr>
-        <p:cNvPr id="1" name=""/>
-        <p:cNvGrpSpPr/>
-        <p:nvPr/>
-      </p:nvGrpSpPr>
-      <p:grpSpPr>
-        <a:xfrm>
-          <a:off x="0" y="0"/>
-          <a:ext cx="0" cy="0"/>
-          <a:chOff x="0" y="0"/>
-          <a:chExt cx="0" cy="0"/>
-        </a:xfrm>
-      </p:grpSpPr>
-      <p:sp>
-        <p:nvSpPr>
-          <p:cNvPr id="2" name="Title 1">
-            <a:extLst>
-              <a:ext uri="{FF2B5EF4-FFF2-40B4-BE49-F238E27FC236}">
-                <a16:creationId xmlns:a16="http://schemas.microsoft.com/office/drawing/2014/main" id="{AA79B124-79BE-8F48-B25C-2B648D957A79}"/>
-              </a:ext>
-            </a:extLst>
-          </p:cNvPr>
-          <p:cNvSpPr>
-            <a:spLocks noGrp="1"/>
-          </p:cNvSpPr>
-          <p:nvPr>
-            <p:ph type="title"/>
-          </p:nvPr>
-        </p:nvSpPr>
-        <p:spPr/>
-        <p:txBody>
-          <a:bodyPr/>
-          <a:lstStyle/>
-          <a:p>
-            <a:r>
-              <a:rPr lang="en-US" dirty="0"/>
-              <a:t>Aims </a:t>
-            </a:r>
-          </a:p>
-        </p:txBody>
-      </p:sp>
-      <p:sp>
-        <p:nvSpPr>
-          <p:cNvPr id="3" name="Content Placeholder 2">
-            <a:extLst>
-              <a:ext uri="{FF2B5EF4-FFF2-40B4-BE49-F238E27FC236}">
-                <a16:creationId xmlns:a16="http://schemas.microsoft.com/office/drawing/2014/main" id="{FC2CCE19-5E0B-C84B-9F4E-4F02A91B81EC}"/>
-              </a:ext>
-            </a:extLst>
-          </p:cNvPr>
-          <p:cNvSpPr>
-            <a:spLocks noGrp="1"/>
-          </p:cNvSpPr>
-          <p:nvPr>
-            <p:ph idx="1"/>
-          </p:nvPr>
-        </p:nvSpPr>
-        <p:spPr/>
-        <p:txBody>
-          <a:bodyPr/>
-          <a:lstStyle/>
-          <a:p>
-            <a:r>
-              <a:rPr lang="en-GB" dirty="0"/>
-              <a:t>A local gym has asked you to build a piece of software to help them to manage memberships, and register members for classes</a:t>
-            </a:r>
-          </a:p>
-          <a:p>
-            <a:r>
-              <a:rPr lang="en-GB" dirty="0"/>
-              <a:t>Manage Membership</a:t>
-            </a:r>
-          </a:p>
-          <a:p>
-            <a:r>
-              <a:rPr lang="en-GB" dirty="0"/>
-              <a:t>Manage Classes</a:t>
-            </a:r>
-          </a:p>
-          <a:p>
-            <a:r>
-              <a:rPr lang="en-GB" dirty="0"/>
-              <a:t>Register Users for Classes</a:t>
-            </a:r>
-          </a:p>
-          <a:p>
-            <a:r>
-              <a:rPr lang="en-GB" dirty="0"/>
-              <a:t>View all customers assigned to a class</a:t>
-            </a:r>
-          </a:p>
-          <a:p>
-            <a:endParaRPr lang="en-GB" dirty="0"/>
-          </a:p>
-          <a:p>
-            <a:endParaRPr lang="en-US" dirty="0"/>
-          </a:p>
-        </p:txBody>
-      </p:sp>
-    </p:spTree>
-    <p:extLst>
-      <p:ext uri="{BB962C8B-B14F-4D97-AF65-F5344CB8AC3E}">
-        <p14:creationId xmlns:p14="http://schemas.microsoft.com/office/powerpoint/2010/main" val="2858984911"/>
-      </p:ext>
-    </p:extLst>
-  </p:cSld>
-  <p:clrMapOvr>
-    <a:masterClrMapping/>
-  </p:clrMapOvr>
-</p:sld>
-</file>
-
-<file path=ppt/slides/slide3.xml><?xml version="1.0" encoding="utf-8"?>
 <p:sld xmlns:a="http://schemas.openxmlformats.org/drawingml/2006/main" xmlns:r="http://schemas.openxmlformats.org/officeDocument/2006/relationships" xmlns:p="http://schemas.openxmlformats.org/presentationml/2006/main">
   <p:cSld>
     <p:spTree>
@@ -14559,7 +14225,7 @@
 </p:sld>
 </file>
 
-<file path=ppt/slides/slide4.xml><?xml version="1.0" encoding="utf-8"?>
+<file path=ppt/slides/slide3.xml><?xml version="1.0" encoding="utf-8"?>
 <p:sld xmlns:a="http://schemas.openxmlformats.org/drawingml/2006/main" xmlns:r="http://schemas.openxmlformats.org/officeDocument/2006/relationships" xmlns:p="http://schemas.openxmlformats.org/presentationml/2006/main">
   <p:cSld>
     <p:spTree>
@@ -14676,67 +14342,7 @@
 </p:sld>
 </file>
 
-<file path=ppt/slides/slide5.xml><?xml version="1.0" encoding="utf-8"?>
-<p:sld xmlns:a="http://schemas.openxmlformats.org/drawingml/2006/main" xmlns:r="http://schemas.openxmlformats.org/officeDocument/2006/relationships" xmlns:p="http://schemas.openxmlformats.org/presentationml/2006/main">
-  <p:cSld>
-    <p:spTree>
-      <p:nvGrpSpPr>
-        <p:cNvPr id="1" name=""/>
-        <p:cNvGrpSpPr/>
-        <p:nvPr/>
-      </p:nvGrpSpPr>
-      <p:grpSpPr>
-        <a:xfrm>
-          <a:off x="0" y="0"/>
-          <a:ext cx="0" cy="0"/>
-          <a:chOff x="0" y="0"/>
-          <a:chExt cx="0" cy="0"/>
-        </a:xfrm>
-      </p:grpSpPr>
-      <p:pic>
-        <p:nvPicPr>
-          <p:cNvPr id="3" name="Picture 2">
-            <a:extLst>
-              <a:ext uri="{FF2B5EF4-FFF2-40B4-BE49-F238E27FC236}">
-                <a16:creationId xmlns:a16="http://schemas.microsoft.com/office/drawing/2014/main" id="{93843CAC-C3C1-0546-8032-34E41BBB5FB8}"/>
-              </a:ext>
-            </a:extLst>
-          </p:cNvPr>
-          <p:cNvPicPr>
-            <a:picLocks noChangeAspect="1"/>
-          </p:cNvPicPr>
-          <p:nvPr/>
-        </p:nvPicPr>
-        <p:blipFill>
-          <a:blip r:embed="rId2"/>
-          <a:stretch>
-            <a:fillRect/>
-          </a:stretch>
-        </p:blipFill>
-        <p:spPr>
-          <a:xfrm>
-            <a:off x="966951" y="294290"/>
-            <a:ext cx="10468303" cy="6064469"/>
-          </a:xfrm>
-          <a:prstGeom prst="rect">
-            <a:avLst/>
-          </a:prstGeom>
-        </p:spPr>
-      </p:pic>
-    </p:spTree>
-    <p:extLst>
-      <p:ext uri="{BB962C8B-B14F-4D97-AF65-F5344CB8AC3E}">
-        <p14:creationId xmlns:p14="http://schemas.microsoft.com/office/powerpoint/2010/main" val="3609600807"/>
-      </p:ext>
-    </p:extLst>
-  </p:cSld>
-  <p:clrMapOvr>
-    <a:masterClrMapping/>
-  </p:clrMapOvr>
-</p:sld>
-</file>
-
-<file path=ppt/slides/slide6.xml><?xml version="1.0" encoding="utf-8"?>
+<file path=ppt/slides/slide4.xml><?xml version="1.0" encoding="utf-8"?>
 <p:sld xmlns:a="http://schemas.openxmlformats.org/drawingml/2006/main" xmlns:r="http://schemas.openxmlformats.org/officeDocument/2006/relationships" xmlns:p="http://schemas.openxmlformats.org/presentationml/2006/main">
   <p:cSld>
     <p:spTree>
@@ -14853,7 +14459,7 @@
 </p:sld>
 </file>
 
-<file path=ppt/slides/slide7.xml><?xml version="1.0" encoding="utf-8"?>
+<file path=ppt/slides/slide5.xml><?xml version="1.0" encoding="utf-8"?>
 <p:sld xmlns:a="http://schemas.openxmlformats.org/drawingml/2006/main" xmlns:r="http://schemas.openxmlformats.org/officeDocument/2006/relationships" xmlns:p="http://schemas.openxmlformats.org/presentationml/2006/main">
   <p:cSld>
     <p:spTree>
@@ -15572,7 +15178,7 @@
 </p:sld>
 </file>
 
-<file path=ppt/slides/slide8.xml><?xml version="1.0" encoding="utf-8"?>
+<file path=ppt/slides/slide6.xml><?xml version="1.0" encoding="utf-8"?>
 <p:sld xmlns:a="http://schemas.openxmlformats.org/drawingml/2006/main" xmlns:r="http://schemas.openxmlformats.org/officeDocument/2006/relationships" xmlns:p="http://schemas.openxmlformats.org/presentationml/2006/main">
   <p:cSld>
     <p:spTree>
@@ -16283,7 +15889,7 @@
 </p:sld>
 </file>
 
-<file path=ppt/slides/slide9.xml><?xml version="1.0" encoding="utf-8"?>
+<file path=ppt/slides/slide7.xml><?xml version="1.0" encoding="utf-8"?>
 <p:sld xmlns:a="http://schemas.openxmlformats.org/drawingml/2006/main" xmlns:r="http://schemas.openxmlformats.org/officeDocument/2006/relationships" xmlns:p="http://schemas.openxmlformats.org/presentationml/2006/main">
   <p:cSld>
     <p:spTree>
@@ -16339,6 +15945,193 @@
     <p:extLst>
       <p:ext uri="{BB962C8B-B14F-4D97-AF65-F5344CB8AC3E}">
         <p14:creationId xmlns:p14="http://schemas.microsoft.com/office/powerpoint/2010/main" val="2853198779"/>
+      </p:ext>
+    </p:extLst>
+  </p:cSld>
+  <p:clrMapOvr>
+    <a:masterClrMapping/>
+  </p:clrMapOvr>
+</p:sld>
+</file>
+
+<file path=ppt/slides/slide8.xml><?xml version="1.0" encoding="utf-8"?>
+<p:sld xmlns:a="http://schemas.openxmlformats.org/drawingml/2006/main" xmlns:r="http://schemas.openxmlformats.org/officeDocument/2006/relationships" xmlns:p="http://schemas.openxmlformats.org/presentationml/2006/main">
+  <p:cSld>
+    <p:spTree>
+      <p:nvGrpSpPr>
+        <p:cNvPr id="1" name=""/>
+        <p:cNvGrpSpPr/>
+        <p:nvPr/>
+      </p:nvGrpSpPr>
+      <p:grpSpPr>
+        <a:xfrm>
+          <a:off x="0" y="0"/>
+          <a:ext cx="0" cy="0"/>
+          <a:chOff x="0" y="0"/>
+          <a:chExt cx="0" cy="0"/>
+        </a:xfrm>
+      </p:grpSpPr>
+      <p:sp>
+        <p:nvSpPr>
+          <p:cNvPr id="2" name="Title 1">
+            <a:extLst>
+              <a:ext uri="{FF2B5EF4-FFF2-40B4-BE49-F238E27FC236}">
+                <a16:creationId xmlns:a16="http://schemas.microsoft.com/office/drawing/2014/main" id="{EE5A5C97-6437-594A-B076-FC89071795B5}"/>
+              </a:ext>
+            </a:extLst>
+          </p:cNvPr>
+          <p:cNvSpPr>
+            <a:spLocks noGrp="1"/>
+          </p:cNvSpPr>
+          <p:nvPr>
+            <p:ph type="title"/>
+          </p:nvPr>
+        </p:nvSpPr>
+        <p:spPr/>
+        <p:txBody>
+          <a:bodyPr/>
+          <a:lstStyle/>
+          <a:p>
+            <a:r>
+              <a:rPr lang="en-US" dirty="0"/>
+              <a:t>What I Enjoyed	</a:t>
+            </a:r>
+          </a:p>
+        </p:txBody>
+      </p:sp>
+      <p:sp>
+        <p:nvSpPr>
+          <p:cNvPr id="3" name="Content Placeholder 2">
+            <a:extLst>
+              <a:ext uri="{FF2B5EF4-FFF2-40B4-BE49-F238E27FC236}">
+                <a16:creationId xmlns:a16="http://schemas.microsoft.com/office/drawing/2014/main" id="{6CC3E7BA-9413-A14B-BC1F-FF83F888ACB0}"/>
+              </a:ext>
+            </a:extLst>
+          </p:cNvPr>
+          <p:cNvSpPr>
+            <a:spLocks noGrp="1"/>
+          </p:cNvSpPr>
+          <p:nvPr>
+            <p:ph idx="1"/>
+          </p:nvPr>
+        </p:nvSpPr>
+        <p:spPr/>
+        <p:txBody>
+          <a:bodyPr/>
+          <a:lstStyle/>
+          <a:p>
+            <a:endParaRPr lang="en-US" dirty="0"/>
+          </a:p>
+        </p:txBody>
+      </p:sp>
+    </p:spTree>
+    <p:extLst>
+      <p:ext uri="{BB962C8B-B14F-4D97-AF65-F5344CB8AC3E}">
+        <p14:creationId xmlns:p14="http://schemas.microsoft.com/office/powerpoint/2010/main" val="2175420731"/>
+      </p:ext>
+    </p:extLst>
+  </p:cSld>
+  <p:clrMapOvr>
+    <a:masterClrMapping/>
+  </p:clrMapOvr>
+</p:sld>
+</file>
+
+<file path=ppt/slides/slide9.xml><?xml version="1.0" encoding="utf-8"?>
+<p:sld xmlns:a="http://schemas.openxmlformats.org/drawingml/2006/main" xmlns:r="http://schemas.openxmlformats.org/officeDocument/2006/relationships" xmlns:p="http://schemas.openxmlformats.org/presentationml/2006/main">
+  <p:cSld>
+    <p:spTree>
+      <p:nvGrpSpPr>
+        <p:cNvPr id="1" name=""/>
+        <p:cNvGrpSpPr/>
+        <p:nvPr/>
+      </p:nvGrpSpPr>
+      <p:grpSpPr>
+        <a:xfrm>
+          <a:off x="0" y="0"/>
+          <a:ext cx="0" cy="0"/>
+          <a:chOff x="0" y="0"/>
+          <a:chExt cx="0" cy="0"/>
+        </a:xfrm>
+      </p:grpSpPr>
+      <p:sp>
+        <p:nvSpPr>
+          <p:cNvPr id="2" name="Title 1">
+            <a:extLst>
+              <a:ext uri="{FF2B5EF4-FFF2-40B4-BE49-F238E27FC236}">
+                <a16:creationId xmlns:a16="http://schemas.microsoft.com/office/drawing/2014/main" id="{849596F3-6C49-3745-B3FE-326EDC016E37}"/>
+              </a:ext>
+            </a:extLst>
+          </p:cNvPr>
+          <p:cNvSpPr>
+            <a:spLocks noGrp="1"/>
+          </p:cNvSpPr>
+          <p:nvPr>
+            <p:ph type="title"/>
+          </p:nvPr>
+        </p:nvSpPr>
+        <p:spPr/>
+        <p:txBody>
+          <a:bodyPr/>
+          <a:lstStyle/>
+          <a:p>
+            <a:r>
+              <a:rPr lang="en-US" dirty="0"/>
+              <a:t>What I would change</a:t>
+            </a:r>
+          </a:p>
+        </p:txBody>
+      </p:sp>
+      <p:sp>
+        <p:nvSpPr>
+          <p:cNvPr id="3" name="Content Placeholder 2">
+            <a:extLst>
+              <a:ext uri="{FF2B5EF4-FFF2-40B4-BE49-F238E27FC236}">
+                <a16:creationId xmlns:a16="http://schemas.microsoft.com/office/drawing/2014/main" id="{9BDA27BB-C288-2743-AA31-13EBE2F2A449}"/>
+              </a:ext>
+            </a:extLst>
+          </p:cNvPr>
+          <p:cNvSpPr>
+            <a:spLocks noGrp="1"/>
+          </p:cNvSpPr>
+          <p:nvPr>
+            <p:ph idx="1"/>
+          </p:nvPr>
+        </p:nvSpPr>
+        <p:spPr/>
+        <p:txBody>
+          <a:bodyPr/>
+          <a:lstStyle/>
+          <a:p>
+            <a:r>
+              <a:rPr lang="en-US" dirty="0"/>
+              <a:t>I would make the front end more responsive</a:t>
+            </a:r>
+          </a:p>
+          <a:p>
+            <a:r>
+              <a:rPr lang="en-US" dirty="0"/>
+              <a:t>Plan for mobile first</a:t>
+            </a:r>
+          </a:p>
+          <a:p>
+            <a:r>
+              <a:rPr lang="en-US" dirty="0"/>
+              <a:t>Easier navigation</a:t>
+            </a:r>
+          </a:p>
+          <a:p>
+            <a:r>
+              <a:rPr lang="en-US" dirty="0"/>
+              <a:t>Use space on website better</a:t>
+            </a:r>
+          </a:p>
+        </p:txBody>
+      </p:sp>
+    </p:spTree>
+    <p:extLst>
+      <p:ext uri="{BB962C8B-B14F-4D97-AF65-F5344CB8AC3E}">
+        <p14:creationId xmlns:p14="http://schemas.microsoft.com/office/powerpoint/2010/main" val="3789578796"/>
       </p:ext>
     </p:extLst>
   </p:cSld>
